--- a/doc/workshop/WS1-Introduction to Semantic Web and Ontologies.pptx
+++ b/doc/workshop/WS1-Introduction to Semantic Web and Ontologies.pptx
@@ -219,7 +219,8 @@
           <a:p>
             <a:fld id="{3493A2E6-C53B-4A63-8E8A-EF9A0B117024}" type="datetimeFigureOut">
               <a:rPr lang="tr-TR" smtClean="0"/>
-              <a:t>04.02.2009</a:t>
+              <a:pPr/>
+              <a:t>05.02.2009</a:t>
             </a:fld>
             <a:endParaRPr lang="tr-TR"/>
           </a:p>
@@ -380,6 +381,7 @@
           <a:p>
             <a:fld id="{0D0ED830-3E6B-4EFC-87D5-54B06F920565}" type="slidenum">
               <a:rPr lang="tr-TR" smtClean="0"/>
+              <a:pPr/>
               <a:t>‹#›</a:t>
             </a:fld>
             <a:endParaRPr lang="tr-TR"/>
@@ -531,7 +533,7 @@
         <p:nvSpPr>
           <p:cNvPr id="100355" name="Rectangle 2"/>
           <p:cNvSpPr>
-            <a:spLocks noRot="1" noChangeArrowheads="1" noTextEdit="1"/>
+            <a:spLocks noGrp="1" noRot="1" noChangeAspect="1" noChangeArrowheads="1" noTextEdit="1"/>
           </p:cNvSpPr>
           <p:nvPr>
             <p:ph type="sldImg"/>
@@ -622,7 +624,7 @@
         <p:nvSpPr>
           <p:cNvPr id="109571" name="Rectangle 2"/>
           <p:cNvSpPr>
-            <a:spLocks noRot="1" noChangeArrowheads="1" noTextEdit="1"/>
+            <a:spLocks noGrp="1" noRot="1" noChangeAspect="1" noChangeArrowheads="1" noTextEdit="1"/>
           </p:cNvSpPr>
           <p:nvPr>
             <p:ph type="sldImg"/>
@@ -713,7 +715,7 @@
         <p:nvSpPr>
           <p:cNvPr id="110595" name="Rectangle 2"/>
           <p:cNvSpPr>
-            <a:spLocks noRot="1" noChangeArrowheads="1" noTextEdit="1"/>
+            <a:spLocks noGrp="1" noRot="1" noChangeAspect="1" noChangeArrowheads="1" noTextEdit="1"/>
           </p:cNvSpPr>
           <p:nvPr>
             <p:ph type="sldImg"/>
@@ -804,7 +806,7 @@
         <p:nvSpPr>
           <p:cNvPr id="111619" name="Rectangle 2"/>
           <p:cNvSpPr>
-            <a:spLocks noRot="1" noChangeArrowheads="1" noTextEdit="1"/>
+            <a:spLocks noGrp="1" noRot="1" noChangeAspect="1" noChangeArrowheads="1" noTextEdit="1"/>
           </p:cNvSpPr>
           <p:nvPr>
             <p:ph type="sldImg"/>
@@ -895,7 +897,7 @@
         <p:nvSpPr>
           <p:cNvPr id="112643" name="Rectangle 2"/>
           <p:cNvSpPr>
-            <a:spLocks noRot="1" noChangeArrowheads="1" noTextEdit="1"/>
+            <a:spLocks noGrp="1" noRot="1" noChangeAspect="1" noChangeArrowheads="1" noTextEdit="1"/>
           </p:cNvSpPr>
           <p:nvPr>
             <p:ph type="sldImg"/>
@@ -986,7 +988,7 @@
         <p:nvSpPr>
           <p:cNvPr id="113667" name="Rectangle 2"/>
           <p:cNvSpPr>
-            <a:spLocks noRot="1" noChangeArrowheads="1" noTextEdit="1"/>
+            <a:spLocks noGrp="1" noRot="1" noChangeAspect="1" noChangeArrowheads="1" noTextEdit="1"/>
           </p:cNvSpPr>
           <p:nvPr>
             <p:ph type="sldImg"/>
@@ -1077,7 +1079,7 @@
         <p:nvSpPr>
           <p:cNvPr id="114691" name="Rectangle 2"/>
           <p:cNvSpPr>
-            <a:spLocks noRot="1" noChangeArrowheads="1" noTextEdit="1"/>
+            <a:spLocks noGrp="1" noRot="1" noChangeAspect="1" noChangeArrowheads="1" noTextEdit="1"/>
           </p:cNvSpPr>
           <p:nvPr>
             <p:ph type="sldImg"/>
@@ -1168,7 +1170,7 @@
         <p:nvSpPr>
           <p:cNvPr id="115715" name="Rectangle 2"/>
           <p:cNvSpPr>
-            <a:spLocks noRot="1" noChangeArrowheads="1" noTextEdit="1"/>
+            <a:spLocks noGrp="1" noRot="1" noChangeAspect="1" noChangeArrowheads="1" noTextEdit="1"/>
           </p:cNvSpPr>
           <p:nvPr>
             <p:ph type="sldImg"/>
@@ -1327,7 +1329,7 @@
         <p:nvSpPr>
           <p:cNvPr id="116739" name="Rectangle 2"/>
           <p:cNvSpPr>
-            <a:spLocks noRot="1" noChangeArrowheads="1" noTextEdit="1"/>
+            <a:spLocks noGrp="1" noRot="1" noChangeAspect="1" noChangeArrowheads="1" noTextEdit="1"/>
           </p:cNvSpPr>
           <p:nvPr>
             <p:ph type="sldImg"/>
@@ -1418,7 +1420,7 @@
         <p:nvSpPr>
           <p:cNvPr id="117763" name="Rectangle 2"/>
           <p:cNvSpPr>
-            <a:spLocks noRot="1" noChangeArrowheads="1" noTextEdit="1"/>
+            <a:spLocks noGrp="1" noRot="1" noChangeAspect="1" noChangeArrowheads="1" noTextEdit="1"/>
           </p:cNvSpPr>
           <p:nvPr>
             <p:ph type="sldImg"/>
@@ -1509,7 +1511,7 @@
         <p:nvSpPr>
           <p:cNvPr id="118787" name="Rectangle 2"/>
           <p:cNvSpPr>
-            <a:spLocks noRot="1" noChangeArrowheads="1" noTextEdit="1"/>
+            <a:spLocks noGrp="1" noRot="1" noChangeAspect="1" noChangeArrowheads="1" noTextEdit="1"/>
           </p:cNvSpPr>
           <p:nvPr>
             <p:ph type="sldImg"/>
@@ -1600,7 +1602,7 @@
         <p:nvSpPr>
           <p:cNvPr id="101379" name="Rectangle 2"/>
           <p:cNvSpPr>
-            <a:spLocks noRot="1" noChangeArrowheads="1" noTextEdit="1"/>
+            <a:spLocks noGrp="1" noRot="1" noChangeAspect="1" noChangeArrowheads="1" noTextEdit="1"/>
           </p:cNvSpPr>
           <p:nvPr>
             <p:ph type="sldImg"/>
@@ -1691,7 +1693,7 @@
         <p:nvSpPr>
           <p:cNvPr id="119811" name="Rectangle 2"/>
           <p:cNvSpPr>
-            <a:spLocks noRot="1" noChangeArrowheads="1" noTextEdit="1"/>
+            <a:spLocks noGrp="1" noRot="1" noChangeAspect="1" noChangeArrowheads="1" noTextEdit="1"/>
           </p:cNvSpPr>
           <p:nvPr>
             <p:ph type="sldImg"/>
@@ -1932,7 +1934,7 @@
         <p:nvSpPr>
           <p:cNvPr id="120835" name="Rectangle 2"/>
           <p:cNvSpPr>
-            <a:spLocks noRot="1" noChangeArrowheads="1" noTextEdit="1"/>
+            <a:spLocks noGrp="1" noRot="1" noChangeAspect="1" noChangeArrowheads="1" noTextEdit="1"/>
           </p:cNvSpPr>
           <p:nvPr>
             <p:ph type="sldImg"/>
@@ -2023,7 +2025,7 @@
         <p:nvSpPr>
           <p:cNvPr id="121859" name="Rectangle 2"/>
           <p:cNvSpPr>
-            <a:spLocks noRot="1" noChangeArrowheads="1" noTextEdit="1"/>
+            <a:spLocks noGrp="1" noRot="1" noChangeAspect="1" noChangeArrowheads="1" noTextEdit="1"/>
           </p:cNvSpPr>
           <p:nvPr>
             <p:ph type="sldImg"/>
@@ -2123,7 +2125,7 @@
         <p:nvSpPr>
           <p:cNvPr id="122883" name="Rectangle 2"/>
           <p:cNvSpPr>
-            <a:spLocks noRot="1" noChangeArrowheads="1" noTextEdit="1"/>
+            <a:spLocks noGrp="1" noRot="1" noChangeAspect="1" noChangeArrowheads="1" noTextEdit="1"/>
           </p:cNvSpPr>
           <p:nvPr>
             <p:ph type="sldImg"/>
@@ -2223,7 +2225,7 @@
         <p:nvSpPr>
           <p:cNvPr id="123907" name="Rectangle 2"/>
           <p:cNvSpPr>
-            <a:spLocks noRot="1" noChangeArrowheads="1" noTextEdit="1"/>
+            <a:spLocks noGrp="1" noRot="1" noChangeAspect="1" noChangeArrowheads="1" noTextEdit="1"/>
           </p:cNvSpPr>
           <p:nvPr>
             <p:ph type="sldImg"/>
@@ -2314,7 +2316,7 @@
         <p:nvSpPr>
           <p:cNvPr id="102403" name="Rectangle 2"/>
           <p:cNvSpPr>
-            <a:spLocks noRot="1" noChangeArrowheads="1" noTextEdit="1"/>
+            <a:spLocks noGrp="1" noRot="1" noChangeAspect="1" noChangeArrowheads="1" noTextEdit="1"/>
           </p:cNvSpPr>
           <p:nvPr>
             <p:ph type="sldImg"/>
@@ -2405,7 +2407,7 @@
         <p:nvSpPr>
           <p:cNvPr id="103427" name="Rectangle 2"/>
           <p:cNvSpPr>
-            <a:spLocks noRot="1" noChangeArrowheads="1" noTextEdit="1"/>
+            <a:spLocks noGrp="1" noRot="1" noChangeAspect="1" noChangeArrowheads="1" noTextEdit="1"/>
           </p:cNvSpPr>
           <p:nvPr>
             <p:ph type="sldImg"/>
@@ -2496,7 +2498,7 @@
         <p:nvSpPr>
           <p:cNvPr id="104451" name="Rectangle 2"/>
           <p:cNvSpPr>
-            <a:spLocks noRot="1" noChangeArrowheads="1" noTextEdit="1"/>
+            <a:spLocks noGrp="1" noRot="1" noChangeAspect="1" noChangeArrowheads="1" noTextEdit="1"/>
           </p:cNvSpPr>
           <p:nvPr>
             <p:ph type="sldImg"/>
@@ -2587,7 +2589,7 @@
         <p:nvSpPr>
           <p:cNvPr id="105475" name="Rectangle 2"/>
           <p:cNvSpPr>
-            <a:spLocks noRot="1" noChangeArrowheads="1" noTextEdit="1"/>
+            <a:spLocks noGrp="1" noRot="1" noChangeAspect="1" noChangeArrowheads="1" noTextEdit="1"/>
           </p:cNvSpPr>
           <p:nvPr>
             <p:ph type="sldImg"/>
@@ -2678,7 +2680,7 @@
         <p:nvSpPr>
           <p:cNvPr id="106499" name="Rectangle 2"/>
           <p:cNvSpPr>
-            <a:spLocks noRot="1" noChangeArrowheads="1" noTextEdit="1"/>
+            <a:spLocks noGrp="1" noRot="1" noChangeAspect="1" noChangeArrowheads="1" noTextEdit="1"/>
           </p:cNvSpPr>
           <p:nvPr>
             <p:ph type="sldImg"/>
@@ -2769,7 +2771,7 @@
         <p:nvSpPr>
           <p:cNvPr id="107523" name="Rectangle 2"/>
           <p:cNvSpPr>
-            <a:spLocks noRot="1" noChangeArrowheads="1" noTextEdit="1"/>
+            <a:spLocks noGrp="1" noRot="1" noChangeAspect="1" noChangeArrowheads="1" noTextEdit="1"/>
           </p:cNvSpPr>
           <p:nvPr>
             <p:ph type="sldImg"/>
@@ -2860,7 +2862,7 @@
         <p:nvSpPr>
           <p:cNvPr id="108547" name="Rectangle 2"/>
           <p:cNvSpPr>
-            <a:spLocks noRot="1" noChangeArrowheads="1" noTextEdit="1"/>
+            <a:spLocks noGrp="1" noRot="1" noChangeAspect="1" noChangeArrowheads="1" noTextEdit="1"/>
           </p:cNvSpPr>
           <p:nvPr>
             <p:ph type="sldImg"/>
@@ -3085,7 +3087,8 @@
           <a:p>
             <a:fld id="{8A8E78E4-B31E-41E5-AE80-BBED7E739417}" type="datetimeFigureOut">
               <a:rPr lang="tr-TR" smtClean="0"/>
-              <a:t>04.02.2009</a:t>
+              <a:pPr/>
+              <a:t>05.02.2009</a:t>
             </a:fld>
             <a:endParaRPr lang="tr-TR"/>
           </a:p>
@@ -3127,6 +3130,7 @@
           <a:p>
             <a:fld id="{651CB339-E25C-4FA9-9A9F-1A01971DD13D}" type="slidenum">
               <a:rPr lang="tr-TR" smtClean="0"/>
+              <a:pPr/>
               <a:t>‹#›</a:t>
             </a:fld>
             <a:endParaRPr lang="tr-TR"/>
@@ -3250,7 +3254,8 @@
           <a:p>
             <a:fld id="{8A8E78E4-B31E-41E5-AE80-BBED7E739417}" type="datetimeFigureOut">
               <a:rPr lang="tr-TR" smtClean="0"/>
-              <a:t>04.02.2009</a:t>
+              <a:pPr/>
+              <a:t>05.02.2009</a:t>
             </a:fld>
             <a:endParaRPr lang="tr-TR"/>
           </a:p>
@@ -3292,6 +3297,7 @@
           <a:p>
             <a:fld id="{651CB339-E25C-4FA9-9A9F-1A01971DD13D}" type="slidenum">
               <a:rPr lang="tr-TR" smtClean="0"/>
+              <a:pPr/>
               <a:t>‹#›</a:t>
             </a:fld>
             <a:endParaRPr lang="tr-TR"/>
@@ -3425,7 +3431,8 @@
           <a:p>
             <a:fld id="{8A8E78E4-B31E-41E5-AE80-BBED7E739417}" type="datetimeFigureOut">
               <a:rPr lang="tr-TR" smtClean="0"/>
-              <a:t>04.02.2009</a:t>
+              <a:pPr/>
+              <a:t>05.02.2009</a:t>
             </a:fld>
             <a:endParaRPr lang="tr-TR"/>
           </a:p>
@@ -3467,6 +3474,7 @@
           <a:p>
             <a:fld id="{651CB339-E25C-4FA9-9A9F-1A01971DD13D}" type="slidenum">
               <a:rPr lang="tr-TR" smtClean="0"/>
+              <a:pPr/>
               <a:t>‹#›</a:t>
             </a:fld>
             <a:endParaRPr lang="tr-TR"/>
@@ -3848,7 +3856,8 @@
           <a:p>
             <a:fld id="{8A8E78E4-B31E-41E5-AE80-BBED7E739417}" type="datetimeFigureOut">
               <a:rPr lang="tr-TR" smtClean="0"/>
-              <a:t>04.02.2009</a:t>
+              <a:pPr/>
+              <a:t>05.02.2009</a:t>
             </a:fld>
             <a:endParaRPr lang="tr-TR"/>
           </a:p>
@@ -3890,6 +3899,7 @@
           <a:p>
             <a:fld id="{651CB339-E25C-4FA9-9A9F-1A01971DD13D}" type="slidenum">
               <a:rPr lang="tr-TR" smtClean="0"/>
+              <a:pPr/>
               <a:t>‹#›</a:t>
             </a:fld>
             <a:endParaRPr lang="tr-TR"/>
@@ -4089,7 +4099,8 @@
           <a:p>
             <a:fld id="{8A8E78E4-B31E-41E5-AE80-BBED7E739417}" type="datetimeFigureOut">
               <a:rPr lang="tr-TR" smtClean="0"/>
-              <a:t>04.02.2009</a:t>
+              <a:pPr/>
+              <a:t>05.02.2009</a:t>
             </a:fld>
             <a:endParaRPr lang="tr-TR"/>
           </a:p>
@@ -4131,6 +4142,7 @@
           <a:p>
             <a:fld id="{651CB339-E25C-4FA9-9A9F-1A01971DD13D}" type="slidenum">
               <a:rPr lang="tr-TR" smtClean="0"/>
+              <a:pPr/>
               <a:t>‹#›</a:t>
             </a:fld>
             <a:endParaRPr lang="tr-TR"/>
@@ -4372,7 +4384,8 @@
           <a:p>
             <a:fld id="{8A8E78E4-B31E-41E5-AE80-BBED7E739417}" type="datetimeFigureOut">
               <a:rPr lang="tr-TR" smtClean="0"/>
-              <a:t>04.02.2009</a:t>
+              <a:pPr/>
+              <a:t>05.02.2009</a:t>
             </a:fld>
             <a:endParaRPr lang="tr-TR"/>
           </a:p>
@@ -4414,6 +4427,7 @@
           <a:p>
             <a:fld id="{651CB339-E25C-4FA9-9A9F-1A01971DD13D}" type="slidenum">
               <a:rPr lang="tr-TR" smtClean="0"/>
+              <a:pPr/>
               <a:t>‹#›</a:t>
             </a:fld>
             <a:endParaRPr lang="tr-TR"/>
@@ -4789,7 +4803,8 @@
           <a:p>
             <a:fld id="{8A8E78E4-B31E-41E5-AE80-BBED7E739417}" type="datetimeFigureOut">
               <a:rPr lang="tr-TR" smtClean="0"/>
-              <a:t>04.02.2009</a:t>
+              <a:pPr/>
+              <a:t>05.02.2009</a:t>
             </a:fld>
             <a:endParaRPr lang="tr-TR"/>
           </a:p>
@@ -4831,6 +4846,7 @@
           <a:p>
             <a:fld id="{651CB339-E25C-4FA9-9A9F-1A01971DD13D}" type="slidenum">
               <a:rPr lang="tr-TR" smtClean="0"/>
+              <a:pPr/>
               <a:t>‹#›</a:t>
             </a:fld>
             <a:endParaRPr lang="tr-TR"/>
@@ -4902,7 +4918,8 @@
           <a:p>
             <a:fld id="{8A8E78E4-B31E-41E5-AE80-BBED7E739417}" type="datetimeFigureOut">
               <a:rPr lang="tr-TR" smtClean="0"/>
-              <a:t>04.02.2009</a:t>
+              <a:pPr/>
+              <a:t>05.02.2009</a:t>
             </a:fld>
             <a:endParaRPr lang="tr-TR"/>
           </a:p>
@@ -4944,6 +4961,7 @@
           <a:p>
             <a:fld id="{651CB339-E25C-4FA9-9A9F-1A01971DD13D}" type="slidenum">
               <a:rPr lang="tr-TR" smtClean="0"/>
+              <a:pPr/>
               <a:t>‹#›</a:t>
             </a:fld>
             <a:endParaRPr lang="tr-TR"/>
@@ -4992,7 +5010,8 @@
           <a:p>
             <a:fld id="{8A8E78E4-B31E-41E5-AE80-BBED7E739417}" type="datetimeFigureOut">
               <a:rPr lang="tr-TR" smtClean="0"/>
-              <a:t>04.02.2009</a:t>
+              <a:pPr/>
+              <a:t>05.02.2009</a:t>
             </a:fld>
             <a:endParaRPr lang="tr-TR"/>
           </a:p>
@@ -5034,6 +5053,7 @@
           <a:p>
             <a:fld id="{651CB339-E25C-4FA9-9A9F-1A01971DD13D}" type="slidenum">
               <a:rPr lang="tr-TR" smtClean="0"/>
+              <a:pPr/>
               <a:t>‹#›</a:t>
             </a:fld>
             <a:endParaRPr lang="tr-TR"/>
@@ -5264,7 +5284,8 @@
           <a:p>
             <a:fld id="{8A8E78E4-B31E-41E5-AE80-BBED7E739417}" type="datetimeFigureOut">
               <a:rPr lang="tr-TR" smtClean="0"/>
-              <a:t>04.02.2009</a:t>
+              <a:pPr/>
+              <a:t>05.02.2009</a:t>
             </a:fld>
             <a:endParaRPr lang="tr-TR"/>
           </a:p>
@@ -5306,6 +5327,7 @@
           <a:p>
             <a:fld id="{651CB339-E25C-4FA9-9A9F-1A01971DD13D}" type="slidenum">
               <a:rPr lang="tr-TR" smtClean="0"/>
+              <a:pPr/>
               <a:t>‹#›</a:t>
             </a:fld>
             <a:endParaRPr lang="tr-TR"/>
@@ -5512,7 +5534,8 @@
           <a:p>
             <a:fld id="{8A8E78E4-B31E-41E5-AE80-BBED7E739417}" type="datetimeFigureOut">
               <a:rPr lang="tr-TR" smtClean="0"/>
-              <a:t>04.02.2009</a:t>
+              <a:pPr/>
+              <a:t>05.02.2009</a:t>
             </a:fld>
             <a:endParaRPr lang="tr-TR"/>
           </a:p>
@@ -5554,6 +5577,7 @@
           <a:p>
             <a:fld id="{651CB339-E25C-4FA9-9A9F-1A01971DD13D}" type="slidenum">
               <a:rPr lang="tr-TR" smtClean="0"/>
+              <a:pPr/>
               <a:t>‹#›</a:t>
             </a:fld>
             <a:endParaRPr lang="tr-TR"/>
@@ -5720,7 +5744,8 @@
           <a:p>
             <a:fld id="{8A8E78E4-B31E-41E5-AE80-BBED7E739417}" type="datetimeFigureOut">
               <a:rPr lang="tr-TR" smtClean="0"/>
-              <a:t>04.02.2009</a:t>
+              <a:pPr/>
+              <a:t>05.02.2009</a:t>
             </a:fld>
             <a:endParaRPr lang="tr-TR"/>
           </a:p>
@@ -5798,6 +5823,7 @@
           <a:p>
             <a:fld id="{651CB339-E25C-4FA9-9A9F-1A01971DD13D}" type="slidenum">
               <a:rPr lang="tr-TR" smtClean="0"/>
+              <a:pPr/>
               <a:t>‹#›</a:t>
             </a:fld>
             <a:endParaRPr lang="tr-TR"/>
@@ -6108,9 +6134,14 @@
           <a:p>
             <a:pPr eaLnBrk="1" hangingPunct="1"/>
             <a:r>
-              <a:rPr lang="tr-TR" sz="4000" smtClean="0"/>
-              <a:t>Introduction to Semantic Web and Ontologies</a:t>
-            </a:r>
+              <a:rPr lang="tr-TR" sz="4000" dirty="0" smtClean="0"/>
+              <a:t>Introduction to Semantic </a:t>
+            </a:r>
+            <a:r>
+              <a:rPr lang="tr-TR" sz="4000" dirty="0" smtClean="0"/>
+              <a:t>Web and Ontologies</a:t>
+            </a:r>
+            <a:endParaRPr lang="tr-TR" sz="4000" dirty="0" smtClean="0"/>
           </a:p>
         </p:txBody>
       </p:sp>
@@ -13096,9 +13127,14 @@
           <a:p>
             <a:pPr eaLnBrk="1" hangingPunct="1"/>
             <a:r>
-              <a:rPr lang="tr-TR" sz="4000" smtClean="0"/>
-              <a:t>Introduction to Semantic Web and Ontologies</a:t>
-            </a:r>
+              <a:rPr lang="tr-TR" sz="4000" dirty="0" smtClean="0"/>
+              <a:t>Introduction to </a:t>
+            </a:r>
+            <a:r>
+              <a:rPr lang="tr-TR" sz="4000" dirty="0" smtClean="0"/>
+              <a:t>Semantic Web</a:t>
+            </a:r>
+            <a:endParaRPr lang="tr-TR" sz="4000" dirty="0" smtClean="0"/>
           </a:p>
         </p:txBody>
       </p:sp>
@@ -18589,7 +18625,7 @@
         <p:nvPicPr>
           <p:cNvPr id="18435" name="Picture 3" descr="Slide0001hendler"/>
           <p:cNvPicPr>
-            <a:picLocks noChangeAspect="1" noChangeArrowheads="1"/>
+            <a:picLocks noGrp="1" noChangeAspect="1" noChangeArrowheads="1"/>
           </p:cNvPicPr>
           <p:nvPr>
             <p:ph idx="1"/>
